--- a/code/Chronic-Disease-Project.pptx
+++ b/code/Chronic-Disease-Project.pptx
@@ -110,6 +110,11 @@
       </a:defRPr>
     </a:lvl9pPr>
   </p:defaultTextStyle>
+  <p:extLst>
+    <p:ext uri="{EFAFB233-063F-42B5-8137-9DF3F51BA10A}">
+      <p15:sldGuideLst xmlns:p15="http://schemas.microsoft.com/office/powerpoint/2012/main"/>
+    </p:ext>
+  </p:extLst>
 </p:presentation>
 </file>
 
@@ -1650,7 +1655,7 @@
           <a:p>
             <a:fld id="{6A4B53A7-3209-46A6-9454-F38EAC8F11E7}" type="datetimeFigureOut">
               <a:rPr lang="en-US" smtClean="0"/>
-              <a:t>9/4/2023</a:t>
+              <a:t>9/5/2023</a:t>
             </a:fld>
             <a:endParaRPr lang="en-US"/>
           </a:p>
@@ -2739,7 +2744,7 @@
             <a:fld id="{6A4B53A7-3209-46A6-9454-F38EAC8F11E7}" type="datetimeFigureOut">
               <a:rPr lang="en-US" smtClean="0"/>
               <a:pPr/>
-              <a:t>9/4/2023</a:t>
+              <a:t>9/5/2023</a:t>
             </a:fld>
             <a:endParaRPr lang="en-US" dirty="0"/>
           </a:p>
@@ -3721,7 +3726,7 @@
             <a:fld id="{6A4B53A7-3209-46A6-9454-F38EAC8F11E7}" type="datetimeFigureOut">
               <a:rPr lang="en-US" smtClean="0"/>
               <a:pPr/>
-              <a:t>9/4/2023</a:t>
+              <a:t>9/5/2023</a:t>
             </a:fld>
             <a:endParaRPr lang="en-US" dirty="0"/>
           </a:p>
@@ -4857,7 +4862,7 @@
             <a:fld id="{6A4B53A7-3209-46A6-9454-F38EAC8F11E7}" type="datetimeFigureOut">
               <a:rPr lang="en-US" smtClean="0"/>
               <a:pPr/>
-              <a:t>9/4/2023</a:t>
+              <a:t>9/5/2023</a:t>
             </a:fld>
             <a:endParaRPr lang="en-US" dirty="0"/>
           </a:p>
@@ -5892,7 +5897,7 @@
             <a:fld id="{6A4B53A7-3209-46A6-9454-F38EAC8F11E7}" type="datetimeFigureOut">
               <a:rPr lang="en-US" smtClean="0"/>
               <a:pPr/>
-              <a:t>9/4/2023</a:t>
+              <a:t>9/5/2023</a:t>
             </a:fld>
             <a:endParaRPr lang="en-US" dirty="0"/>
           </a:p>
@@ -6554,7 +6559,7 @@
             <a:fld id="{6A4B53A7-3209-46A6-9454-F38EAC8F11E7}" type="datetimeFigureOut">
               <a:rPr lang="en-US" smtClean="0"/>
               <a:pPr/>
-              <a:t>9/4/2023</a:t>
+              <a:t>9/5/2023</a:t>
             </a:fld>
             <a:endParaRPr lang="en-US" dirty="0"/>
           </a:p>
@@ -7417,7 +7422,7 @@
             <a:fld id="{6A4B53A7-3209-46A6-9454-F38EAC8F11E7}" type="datetimeFigureOut">
               <a:rPr lang="en-US" smtClean="0"/>
               <a:pPr/>
-              <a:t>9/4/2023</a:t>
+              <a:t>9/5/2023</a:t>
             </a:fld>
             <a:endParaRPr lang="en-US" dirty="0"/>
           </a:p>
@@ -7608,7 +7613,7 @@
           <a:p>
             <a:fld id="{6A4B53A7-3209-46A6-9454-F38EAC8F11E7}" type="datetimeFigureOut">
               <a:rPr lang="en-US" smtClean="0"/>
-              <a:t>9/4/2023</a:t>
+              <a:t>9/5/2023</a:t>
             </a:fld>
             <a:endParaRPr lang="en-US"/>
           </a:p>
@@ -8580,7 +8585,7 @@
           <a:p>
             <a:fld id="{6A4B53A7-3209-46A6-9454-F38EAC8F11E7}" type="datetimeFigureOut">
               <a:rPr lang="en-US" smtClean="0"/>
-              <a:t>9/4/2023</a:t>
+              <a:t>9/5/2023</a:t>
             </a:fld>
             <a:endParaRPr lang="en-US"/>
           </a:p>
@@ -8791,7 +8796,7 @@
           <a:p>
             <a:fld id="{6A4B53A7-3209-46A6-9454-F38EAC8F11E7}" type="datetimeFigureOut">
               <a:rPr lang="en-US" smtClean="0"/>
-              <a:t>9/4/2023</a:t>
+              <a:t>9/5/2023</a:t>
             </a:fld>
             <a:endParaRPr lang="en-US"/>
           </a:p>
@@ -9825,7 +9830,7 @@
           <a:p>
             <a:fld id="{6A4B53A7-3209-46A6-9454-F38EAC8F11E7}" type="datetimeFigureOut">
               <a:rPr lang="en-US" smtClean="0"/>
-              <a:t>9/4/2023</a:t>
+              <a:t>9/5/2023</a:t>
             </a:fld>
             <a:endParaRPr lang="en-US"/>
           </a:p>
@@ -10097,7 +10102,7 @@
           <a:p>
             <a:fld id="{6A4B53A7-3209-46A6-9454-F38EAC8F11E7}" type="datetimeFigureOut">
               <a:rPr lang="en-US" smtClean="0"/>
-              <a:t>9/4/2023</a:t>
+              <a:t>9/5/2023</a:t>
             </a:fld>
             <a:endParaRPr lang="en-US"/>
           </a:p>
@@ -10507,7 +10512,7 @@
           <a:p>
             <a:fld id="{6A4B53A7-3209-46A6-9454-F38EAC8F11E7}" type="datetimeFigureOut">
               <a:rPr lang="en-US" smtClean="0"/>
-              <a:t>9/4/2023</a:t>
+              <a:t>9/5/2023</a:t>
             </a:fld>
             <a:endParaRPr lang="en-US"/>
           </a:p>
@@ -10634,7 +10639,7 @@
           <a:p>
             <a:fld id="{6A4B53A7-3209-46A6-9454-F38EAC8F11E7}" type="datetimeFigureOut">
               <a:rPr lang="en-US" smtClean="0"/>
-              <a:t>9/4/2023</a:t>
+              <a:t>9/5/2023</a:t>
             </a:fld>
             <a:endParaRPr lang="en-US"/>
           </a:p>
@@ -10729,7 +10734,7 @@
           <a:p>
             <a:fld id="{6A4B53A7-3209-46A6-9454-F38EAC8F11E7}" type="datetimeFigureOut">
               <a:rPr lang="en-US" smtClean="0"/>
-              <a:t>9/4/2023</a:t>
+              <a:t>9/5/2023</a:t>
             </a:fld>
             <a:endParaRPr lang="en-US"/>
           </a:p>
@@ -11810,7 +11815,7 @@
           <a:p>
             <a:fld id="{6A4B53A7-3209-46A6-9454-F38EAC8F11E7}" type="datetimeFigureOut">
               <a:rPr lang="en-US" smtClean="0"/>
-              <a:t>9/4/2023</a:t>
+              <a:t>9/5/2023</a:t>
             </a:fld>
             <a:endParaRPr lang="en-US"/>
           </a:p>
@@ -12918,7 +12923,7 @@
           <a:p>
             <a:fld id="{6A4B53A7-3209-46A6-9454-F38EAC8F11E7}" type="datetimeFigureOut">
               <a:rPr lang="en-US" smtClean="0"/>
-              <a:t>9/4/2023</a:t>
+              <a:t>9/5/2023</a:t>
             </a:fld>
             <a:endParaRPr lang="en-US"/>
           </a:p>
@@ -13916,7 +13921,7 @@
             <a:fld id="{6A4B53A7-3209-46A6-9454-F38EAC8F11E7}" type="datetimeFigureOut">
               <a:rPr lang="en-US" smtClean="0"/>
               <a:pPr/>
-              <a:t>9/4/2023</a:t>
+              <a:t>9/5/2023</a:t>
             </a:fld>
             <a:endParaRPr lang="en-US" dirty="0"/>
           </a:p>
@@ -15152,42 +15157,6 @@
       </p:sp>
       <p:pic>
         <p:nvPicPr>
-          <p:cNvPr id="12" name="Picture 11" descr="A computer screen shot of a white screen&#10;&#10;Description automatically generated">
-            <a:extLst>
-              <a:ext uri="{FF2B5EF4-FFF2-40B4-BE49-F238E27FC236}">
-                <a16:creationId xmlns:a16="http://schemas.microsoft.com/office/drawing/2014/main" id="{8A2EB75D-96B4-0364-FBFF-54D1C122FCA1}"/>
-              </a:ext>
-            </a:extLst>
-          </p:cNvPr>
-          <p:cNvPicPr>
-            <a:picLocks noChangeAspect="1"/>
-          </p:cNvPicPr>
-          <p:nvPr/>
-        </p:nvPicPr>
-        <p:blipFill>
-          <a:blip r:embed="rId2">
-            <a:extLst>
-              <a:ext uri="{28A0092B-C50C-407E-A947-70E740481C1C}">
-                <a14:useLocalDpi xmlns:a14="http://schemas.microsoft.com/office/drawing/2010/main" val="0"/>
-              </a:ext>
-            </a:extLst>
-          </a:blip>
-          <a:stretch>
-            <a:fillRect/>
-          </a:stretch>
-        </p:blipFill>
-        <p:spPr>
-          <a:xfrm>
-            <a:off x="7875619" y="3179761"/>
-            <a:ext cx="3216783" cy="3004060"/>
-          </a:xfrm>
-          <a:prstGeom prst="rect">
-            <a:avLst/>
-          </a:prstGeom>
-        </p:spPr>
-      </p:pic>
-      <p:pic>
-        <p:nvPicPr>
           <p:cNvPr id="14" name="Picture 13" descr="A screenshot of a computer&#10;&#10;Description automatically generated">
             <a:extLst>
               <a:ext uri="{FF2B5EF4-FFF2-40B4-BE49-F238E27FC236}">
@@ -15201,7 +15170,7 @@
           <p:nvPr/>
         </p:nvPicPr>
         <p:blipFill>
-          <a:blip r:embed="rId3">
+          <a:blip r:embed="rId2">
             <a:extLst>
               <a:ext uri="{28A0092B-C50C-407E-A947-70E740481C1C}">
                 <a14:useLocalDpi xmlns:a14="http://schemas.microsoft.com/office/drawing/2010/main" val="0"/>
@@ -15237,7 +15206,7 @@
           <p:nvPr/>
         </p:nvPicPr>
         <p:blipFill>
-          <a:blip r:embed="rId4">
+          <a:blip r:embed="rId3">
             <a:extLst>
               <a:ext uri="{28A0092B-C50C-407E-A947-70E740481C1C}">
                 <a14:useLocalDpi xmlns:a14="http://schemas.microsoft.com/office/drawing/2010/main" val="0"/>
@@ -15252,6 +15221,36 @@
           <a:xfrm>
             <a:off x="1156736" y="3179761"/>
             <a:ext cx="3152612" cy="3111311"/>
+          </a:xfrm>
+          <a:prstGeom prst="rect">
+            <a:avLst/>
+          </a:prstGeom>
+        </p:spPr>
+      </p:pic>
+      <p:pic>
+        <p:nvPicPr>
+          <p:cNvPr id="10" name="Picture 9">
+            <a:extLst>
+              <a:ext uri="{FF2B5EF4-FFF2-40B4-BE49-F238E27FC236}">
+                <a16:creationId xmlns:a16="http://schemas.microsoft.com/office/drawing/2014/main" id="{F7A075E2-95EC-C907-3EF9-553502557F8C}"/>
+              </a:ext>
+            </a:extLst>
+          </p:cNvPr>
+          <p:cNvPicPr>
+            <a:picLocks noChangeAspect="1"/>
+          </p:cNvPicPr>
+          <p:nvPr/>
+        </p:nvPicPr>
+        <p:blipFill>
+          <a:blip r:embed="rId4"/>
+          <a:stretch>
+            <a:fillRect/>
+          </a:stretch>
+        </p:blipFill>
+        <p:spPr>
+          <a:xfrm>
+            <a:off x="7888135" y="3193739"/>
+            <a:ext cx="3145536" cy="3415022"/>
           </a:xfrm>
           <a:prstGeom prst="rect">
             <a:avLst/>
@@ -18773,6 +18772,36 @@
           </a:p>
         </p:txBody>
       </p:sp>
+      <p:pic>
+        <p:nvPicPr>
+          <p:cNvPr id="4" name="Picture 3">
+            <a:extLst>
+              <a:ext uri="{FF2B5EF4-FFF2-40B4-BE49-F238E27FC236}">
+                <a16:creationId xmlns:a16="http://schemas.microsoft.com/office/drawing/2014/main" id="{EC91B552-AE26-14B5-A0FC-0571789A0914}"/>
+              </a:ext>
+            </a:extLst>
+          </p:cNvPr>
+          <p:cNvPicPr>
+            <a:picLocks noChangeAspect="1"/>
+          </p:cNvPicPr>
+          <p:nvPr/>
+        </p:nvPicPr>
+        <p:blipFill>
+          <a:blip r:embed="rId2"/>
+          <a:stretch>
+            <a:fillRect/>
+          </a:stretch>
+        </p:blipFill>
+        <p:spPr>
+          <a:xfrm>
+            <a:off x="1772774" y="2330245"/>
+            <a:ext cx="7983064" cy="4277322"/>
+          </a:xfrm>
+          <a:prstGeom prst="rect">
+            <a:avLst/>
+          </a:prstGeom>
+        </p:spPr>
+      </p:pic>
     </p:spTree>
     <p:extLst>
       <p:ext uri="{BB962C8B-B14F-4D97-AF65-F5344CB8AC3E}">
